--- a/doc/论文图与数据/开题.pptx
+++ b/doc/论文图与数据/开题.pptx
@@ -234,7 +234,7 @@
           <a:p>
             <a:fld id="{67E46AAF-12A8-4624-8EDF-DCD94EB31EC8}" type="datetimeFigureOut">
               <a:rPr lang="zh-CN" altLang="en-US" smtClean="0"/>
-              <a:t>2024/1/5</a:t>
+              <a:t>2024/1/9</a:t>
             </a:fld>
             <a:endParaRPr lang="zh-CN" altLang="en-US"/>
           </a:p>
@@ -1831,7 +1831,7 @@
           <a:p>
             <a:fld id="{97A4CA56-C766-4643-9C49-0B5937DF92E1}" type="datetimeFigureOut">
               <a:rPr lang="zh-CN" altLang="en-US" smtClean="0"/>
-              <a:t>2024/1/5</a:t>
+              <a:t>2024/1/9</a:t>
             </a:fld>
             <a:endParaRPr lang="zh-CN" altLang="en-US"/>
           </a:p>
@@ -1994,7 +1994,7 @@
           <a:p>
             <a:fld id="{97A4CA56-C766-4643-9C49-0B5937DF92E1}" type="datetimeFigureOut">
               <a:rPr lang="zh-CN" altLang="en-US" smtClean="0"/>
-              <a:t>2024/1/5</a:t>
+              <a:t>2024/1/9</a:t>
             </a:fld>
             <a:endParaRPr lang="zh-CN" altLang="en-US"/>
           </a:p>
@@ -2225,7 +2225,7 @@
           <a:p>
             <a:fld id="{97A4CA56-C766-4643-9C49-0B5937DF92E1}" type="datetimeFigureOut">
               <a:rPr lang="zh-CN" altLang="en-US" smtClean="0"/>
-              <a:t>2024/1/5</a:t>
+              <a:t>2024/1/9</a:t>
             </a:fld>
             <a:endParaRPr lang="zh-CN" altLang="en-US"/>
           </a:p>
@@ -16645,8 +16645,8 @@
         </p:nvSpPr>
         <p:spPr>
           <a:xfrm>
-            <a:off x="5610089" y="4585855"/>
-            <a:ext cx="1828120" cy="484285"/>
+            <a:off x="5366921" y="4585854"/>
+            <a:ext cx="2602733" cy="484285"/>
           </a:xfrm>
           <a:prstGeom prst="roundRect">
             <a:avLst/>
@@ -16674,6 +16674,14 @@
             <a:r>
               <a:rPr lang="zh-CN" altLang="en-US" sz="1400" dirty="0"/>
               <a:t>理论分析</a:t>
+            </a:r>
+            <a:r>
+              <a:rPr lang="en-US" altLang="zh-CN" sz="1400" dirty="0"/>
+              <a:t>+</a:t>
+            </a:r>
+            <a:r>
+              <a:rPr lang="zh-CN" altLang="en-US" sz="1400" dirty="0"/>
+              <a:t>模拟仿真</a:t>
             </a:r>
             <a:r>
               <a:rPr lang="en-US" altLang="zh-CN" sz="1400" dirty="0"/>

--- a/doc/论文图与数据/开题.pptx
+++ b/doc/论文图与数据/开题.pptx
@@ -234,7 +234,7 @@
           <a:p>
             <a:fld id="{67E46AAF-12A8-4624-8EDF-DCD94EB31EC8}" type="datetimeFigureOut">
               <a:rPr lang="zh-CN" altLang="en-US" smtClean="0"/>
-              <a:t>2024/1/9</a:t>
+              <a:t>2024/1/10</a:t>
             </a:fld>
             <a:endParaRPr lang="zh-CN" altLang="en-US"/>
           </a:p>
@@ -1831,7 +1831,7 @@
           <a:p>
             <a:fld id="{97A4CA56-C766-4643-9C49-0B5937DF92E1}" type="datetimeFigureOut">
               <a:rPr lang="zh-CN" altLang="en-US" smtClean="0"/>
-              <a:t>2024/1/9</a:t>
+              <a:t>2024/1/10</a:t>
             </a:fld>
             <a:endParaRPr lang="zh-CN" altLang="en-US"/>
           </a:p>
@@ -1994,7 +1994,7 @@
           <a:p>
             <a:fld id="{97A4CA56-C766-4643-9C49-0B5937DF92E1}" type="datetimeFigureOut">
               <a:rPr lang="zh-CN" altLang="en-US" smtClean="0"/>
-              <a:t>2024/1/9</a:t>
+              <a:t>2024/1/10</a:t>
             </a:fld>
             <a:endParaRPr lang="zh-CN" altLang="en-US"/>
           </a:p>
@@ -2225,7 +2225,7 @@
           <a:p>
             <a:fld id="{97A4CA56-C766-4643-9C49-0B5937DF92E1}" type="datetimeFigureOut">
               <a:rPr lang="zh-CN" altLang="en-US" smtClean="0"/>
-              <a:t>2024/1/9</a:t>
+              <a:t>2024/1/10</a:t>
             </a:fld>
             <a:endParaRPr lang="zh-CN" altLang="en-US"/>
           </a:p>
